--- a/3 - few-shot/notebook/apresentacao_notebook_classificacao_resenhas.pptx
+++ b/3 - few-shot/notebook/apresentacao_notebook_classificacao_resenhas.pptx
@@ -241,7 +241,7 @@
             <a:pPr rtl="0"/>
             <a:fld id="{1CFE3099-591D-45A7-A51D-7A26F574396C}" type="datetime1">
               <a:rPr lang="pt-BR" smtClean="0"/>
-              <a:t>15/03/2023</a:t>
+              <a:t>17/03/2023</a:t>
             </a:fld>
             <a:endParaRPr lang="pt-BR" dirty="0"/>
           </a:p>
@@ -422,7 +422,7 @@
             <a:fld id="{04512B0B-086E-405E-B6A3-A336C302B6B7}" type="datetime1">
               <a:rPr lang="pt-BR" smtClean="0"/>
               <a:pPr/>
-              <a:t>15/03/2023</a:t>
+              <a:t>17/03/2023</a:t>
             </a:fld>
             <a:endParaRPr lang="pt-BR" dirty="0"/>
           </a:p>
@@ -12394,7 +12394,7 @@
                 <a:latin typeface="Arial" panose="020B0604020202020204" pitchFamily="34" charset="0"/>
                 <a:cs typeface="Arial" panose="020B0604020202020204" pitchFamily="34" charset="0"/>
               </a:rPr>
-              <a:t>Pare esse exercício, usei a base de dados </a:t>
+              <a:t>Para esse exercício, usei a base de dados </a:t>
             </a:r>
             <a:r>
               <a:rPr lang="pt-BR" sz="2400" dirty="0" err="1">
@@ -12958,7 +12958,7 @@
                 <a:latin typeface="Arial" panose="020B0604020202020204" pitchFamily="34" charset="0"/>
                 <a:cs typeface="Arial" panose="020B0604020202020204" pitchFamily="34" charset="0"/>
               </a:rPr>
-              <a:t>No zero-shot, apenas a tarefa é apresentada. No </a:t>
+              <a:t>No zero-shot apenas a tarefa é apresentada. No </a:t>
             </a:r>
             <a:r>
               <a:rPr lang="pt-BR" sz="2400" dirty="0" err="1">
@@ -13315,7 +13315,7 @@
                 <a:latin typeface="Arial" panose="020B0604020202020204" pitchFamily="34" charset="0"/>
                 <a:cs typeface="Arial" panose="020B0604020202020204" pitchFamily="34" charset="0"/>
               </a:rPr>
-              <a:t>Por isso, foi feita a classificação manual de 100 resenhas escolhidas aleatoriamente pelo computador. As resenhas tem a seguinte distribuição:</a:t>
+              <a:t>Por isso, fiz a classificação manual de 100 resenhas escolhidas aleatoriamente. As resenhas tem a seguinte distribuição:</a:t>
             </a:r>
           </a:p>
           <a:p>
@@ -14167,7 +14167,7 @@
         </p:spPr>
         <p:txBody>
           <a:bodyPr rtlCol="0">
-            <a:normAutofit lnSpcReduction="10000"/>
+            <a:normAutofit/>
           </a:bodyPr>
           <a:lstStyle>
             <a:lvl1pPr marL="228600" indent="-228600" algn="l" defTabSz="914400" rtl="0" eaLnBrk="1" latinLnBrk="0" hangingPunct="1">
@@ -14452,7 +14452,7 @@
                 <a:latin typeface="Arial" panose="020B0604020202020204" pitchFamily="34" charset="0"/>
                 <a:cs typeface="Arial" panose="020B0604020202020204" pitchFamily="34" charset="0"/>
               </a:rPr>
-              <a:t>A maior parte do erro ficou limitada a uma diferença de 1 classe. Houve apenas 2 exemplos, que o GPT classificou como negativo e a classificação manual foi positiva.</a:t>
+              <a:t>A maior parte do erro ficou limitada a uma diferença de 1 classe. Houve apenas 2 exemplos que o GPT classificou como negativo e a classificação manual foi positiva.</a:t>
             </a:r>
           </a:p>
           <a:p>
@@ -17377,15 +17377,6 @@
 </file>
 
 <file path=customXml/item1.xml><?xml version="1.0" encoding="utf-8"?>
-<?mso-contentType ?>
-<FormTemplates xmlns="http://schemas.microsoft.com/sharepoint/v3/contenttype/forms">
-  <Display>DocumentLibraryForm</Display>
-  <Edit>DocumentLibraryForm</Edit>
-  <New>DocumentLibraryForm</New>
-</FormTemplates>
-</file>
-
-<file path=customXml/item2.xml><?xml version="1.0" encoding="utf-8"?>
 <ct:contentTypeSchema xmlns:ct="http://schemas.microsoft.com/office/2006/metadata/contentType" xmlns:ma="http://schemas.microsoft.com/office/2006/metadata/properties/metaAttributes" ct:_="" ma:_="" ma:contentTypeName="Document" ma:contentTypeID="0x01010079F111ED35F8CC479449609E8A0923A6" ma:contentTypeVersion="21" ma:contentTypeDescription="Create a new document." ma:contentTypeScope="" ma:versionID="64dfb1555687e0874b4304b796b5b0c7">
   <xsd:schema xmlns:xsd="http://www.w3.org/2001/XMLSchema" xmlns:xs="http://www.w3.org/2001/XMLSchema" xmlns:p="http://schemas.microsoft.com/office/2006/metadata/properties" xmlns:ns1="http://schemas.microsoft.com/sharepoint/v3" xmlns:ns2="71af3243-3dd4-4a8d-8c0d-dd76da1f02a5" xmlns:ns3="16c05727-aa75-4e4a-9b5f-8a80a1165891" xmlns:ns4="230e9df3-be65-4c73-a93b-d1236ebd677e" targetNamespace="http://schemas.microsoft.com/office/2006/metadata/properties" ma:root="true" ma:fieldsID="e6e4c555b5e194d05b7203de9c4567b3" ns1:_="" ns2:_="" ns3:_="" ns4:_="">
     <xsd:import namespace="http://schemas.microsoft.com/sharepoint/v3"/>
@@ -17667,6 +17658,15 @@
 </ct:contentTypeSchema>
 </file>
 
+<file path=customXml/item2.xml><?xml version="1.0" encoding="utf-8"?>
+<?mso-contentType ?>
+<FormTemplates xmlns="http://schemas.microsoft.com/sharepoint/v3/contenttype/forms">
+  <Display>DocumentLibraryForm</Display>
+  <Edit>DocumentLibraryForm</Edit>
+  <New>DocumentLibraryForm</New>
+</FormTemplates>
+</file>
+
 <file path=customXml/item3.xml><?xml version="1.0" encoding="utf-8"?>
 <p:properties xmlns:p="http://schemas.microsoft.com/office/2006/metadata/properties" xmlns:xsi="http://www.w3.org/2001/XMLSchema-instance" xmlns:pc="http://schemas.microsoft.com/office/infopath/2007/PartnerControls">
   <documentManagement>
@@ -17687,14 +17687,6 @@
 </file>
 
 <file path=customXml/itemProps1.xml><?xml version="1.0" encoding="utf-8"?>
-<ds:datastoreItem xmlns:ds="http://schemas.openxmlformats.org/officeDocument/2006/customXml" ds:itemID="{E618C13B-9D83-4AF4-B64D-33362D5133F8}">
-  <ds:schemaRefs>
-    <ds:schemaRef ds:uri="http://schemas.microsoft.com/sharepoint/v3/contenttype/forms"/>
-  </ds:schemaRefs>
-</ds:datastoreItem>
-</file>
-
-<file path=customXml/itemProps2.xml><?xml version="1.0" encoding="utf-8"?>
 <ds:datastoreItem xmlns:ds="http://schemas.openxmlformats.org/officeDocument/2006/customXml" ds:itemID="{67ACD96E-49A0-4DA4-A7BB-AC2D8874213F}">
   <ds:schemaRefs>
     <ds:schemaRef ds:uri="http://schemas.microsoft.com/office/2006/metadata/contentType"/>
@@ -17711,6 +17703,14 @@
     <ds:schemaRef ds:uri="http://purl.org/dc/elements/1.1/"/>
     <ds:schemaRef ds:uri="http://purl.org/dc/terms/"/>
     <ds:schemaRef ds:uri="http://schemas.microsoft.com/internal/obd"/>
+  </ds:schemaRefs>
+</ds:datastoreItem>
+</file>
+
+<file path=customXml/itemProps2.xml><?xml version="1.0" encoding="utf-8"?>
+<ds:datastoreItem xmlns:ds="http://schemas.openxmlformats.org/officeDocument/2006/customXml" ds:itemID="{E618C13B-9D83-4AF4-B64D-33362D5133F8}">
+  <ds:schemaRefs>
+    <ds:schemaRef ds:uri="http://schemas.microsoft.com/sharepoint/v3/contenttype/forms"/>
   </ds:schemaRefs>
 </ds:datastoreItem>
 </file>
